--- a/docs/UNT presentation.pptx
+++ b/docs/UNT presentation.pptx
@@ -7134,21 +7134,18 @@
           <a:lstStyle/>
           <a:p>
             <a:r>
-              <a:rPr lang="bg-BG" dirty="0" err="1"/>
-              <a:t>Emanuil</a:t>
+              <a:rPr lang="en-US" dirty="0"/>
+              <a:t>   Milen Vasilev </a:t>
             </a:r>
             <a:r>
               <a:rPr lang="bg-BG" dirty="0"/>
-              <a:t> </a:t>
-            </a:r>
-            <a:r>
-              <a:rPr lang="bg-BG" dirty="0" err="1"/>
-              <a:t>Tinchev</a:t>
-            </a:r>
-            <a:r>
-              <a:rPr lang="bg-BG" dirty="0"/>
-              <a:t> 9a</a:t>
-            </a:r>
+              <a:t> 9</a:t>
+            </a:r>
+            <a:r>
+              <a:rPr lang="en-US" dirty="0"/>
+              <a:t>v</a:t>
+            </a:r>
+            <a:endParaRPr lang="bg-BG" dirty="0"/>
           </a:p>
         </p:txBody>
       </p:sp>
@@ -7184,21 +7181,18 @@
           <a:lstStyle/>
           <a:p>
             <a:r>
-              <a:rPr lang="bg-BG" dirty="0" err="1"/>
-              <a:t>Todor</a:t>
+              <a:rPr lang="en-US" dirty="0"/>
+              <a:t>  Dimitar Meshkov</a:t>
             </a:r>
             <a:r>
               <a:rPr lang="bg-BG" dirty="0"/>
-              <a:t> </a:t>
-            </a:r>
-            <a:r>
-              <a:rPr lang="bg-BG" dirty="0" err="1"/>
-              <a:t>Toromanov</a:t>
-            </a:r>
-            <a:r>
-              <a:rPr lang="bg-BG" dirty="0"/>
-              <a:t> 9a</a:t>
-            </a:r>
+              <a:t> 9</a:t>
+            </a:r>
+            <a:r>
+              <a:rPr lang="en-US" dirty="0"/>
+              <a:t>g</a:t>
+            </a:r>
+            <a:endParaRPr lang="bg-BG" dirty="0"/>
           </a:p>
         </p:txBody>
       </p:sp>
@@ -7233,6 +7227,10 @@
           </a:bodyPr>
           <a:lstStyle/>
           <a:p>
+            <a:r>
+              <a:rPr lang="en-US" dirty="0"/>
+              <a:t>  </a:t>
+            </a:r>
             <a:r>
               <a:rPr lang="bg-BG" dirty="0" err="1"/>
               <a:t>Presiyan</a:t>
